--- a/Oslo(2).pptx
+++ b/Oslo(2).pptx
@@ -22718,7 +22718,7 @@
           <a:p>
             <a:fld id="{6D9EE66E-0075-4EC7-AFEF-A844E5107398}" type="datetimeFigureOut">
               <a:rPr lang="en-US" smtClean="0"/>
-              <a:t>1/16/2018</a:t>
+              <a:t>1/17/2018</a:t>
             </a:fld>
             <a:endParaRPr lang="en-US" dirty="0"/>
           </a:p>
@@ -24246,7 +24246,7 @@
             </a:ln>
             <a:extLst>
               <a:ext uri="{91240B29-F687-4f45-9708-019B960494DF}">
-                <a14:hiddenLine xmlns="" xmlns:a14="http://schemas.microsoft.com/office/drawing/2010/main" w="9525">
+                <a14:hiddenLine xmlns:a14="http://schemas.microsoft.com/office/drawing/2010/main" xmlns="" w="9525">
                   <a:solidFill>
                     <a:srgbClr val="000000"/>
                   </a:solidFill>
@@ -24336,7 +24336,7 @@
             </a:ln>
             <a:extLst>
               <a:ext uri="{91240B29-F687-4f45-9708-019B960494DF}">
-                <a14:hiddenLine xmlns="" xmlns:a14="http://schemas.microsoft.com/office/drawing/2010/main" w="9525">
+                <a14:hiddenLine xmlns:a14="http://schemas.microsoft.com/office/drawing/2010/main" xmlns="" w="9525">
                   <a:solidFill>
                     <a:srgbClr val="000000"/>
                   </a:solidFill>
@@ -24426,7 +24426,7 @@
             </a:ln>
             <a:extLst>
               <a:ext uri="{91240B29-F687-4f45-9708-019B960494DF}">
-                <a14:hiddenLine xmlns="" xmlns:a14="http://schemas.microsoft.com/office/drawing/2010/main" w="9525">
+                <a14:hiddenLine xmlns:a14="http://schemas.microsoft.com/office/drawing/2010/main" xmlns="" w="9525">
                   <a:solidFill>
                     <a:srgbClr val="000000"/>
                   </a:solidFill>
@@ -24460,7 +24460,7 @@
             </a:ln>
             <a:extLst>
               <a:ext uri="{91240B29-F687-4f45-9708-019B960494DF}">
-                <a14:hiddenLine xmlns="" xmlns:a14="http://schemas.microsoft.com/office/drawing/2010/main" w="9525">
+                <a14:hiddenLine xmlns:a14="http://schemas.microsoft.com/office/drawing/2010/main" xmlns="" w="9525">
                   <a:solidFill>
                     <a:srgbClr val="000000"/>
                   </a:solidFill>
@@ -24550,7 +24550,7 @@
             </a:ln>
             <a:extLst>
               <a:ext uri="{91240B29-F687-4f45-9708-019B960494DF}">
-                <a14:hiddenLine xmlns="" xmlns:a14="http://schemas.microsoft.com/office/drawing/2010/main" w="9525">
+                <a14:hiddenLine xmlns:a14="http://schemas.microsoft.com/office/drawing/2010/main" xmlns="" w="9525">
                   <a:solidFill>
                     <a:srgbClr val="000000"/>
                   </a:solidFill>
@@ -24612,7 +24612,7 @@
             </a:ln>
             <a:extLst>
               <a:ext uri="{91240B29-F687-4f45-9708-019B960494DF}">
-                <a14:hiddenLine xmlns="" xmlns:a14="http://schemas.microsoft.com/office/drawing/2010/main" w="9525">
+                <a14:hiddenLine xmlns:a14="http://schemas.microsoft.com/office/drawing/2010/main" xmlns="" w="9525">
                   <a:solidFill>
                     <a:srgbClr val="000000"/>
                   </a:solidFill>
@@ -24674,7 +24674,7 @@
             </a:ln>
             <a:extLst>
               <a:ext uri="{91240B29-F687-4f45-9708-019B960494DF}">
-                <a14:hiddenLine xmlns="" xmlns:a14="http://schemas.microsoft.com/office/drawing/2010/main" w="9525">
+                <a14:hiddenLine xmlns:a14="http://schemas.microsoft.com/office/drawing/2010/main" xmlns="" w="9525">
                   <a:solidFill>
                     <a:srgbClr val="000000"/>
                   </a:solidFill>
@@ -24764,7 +24764,7 @@
             </a:ln>
             <a:extLst>
               <a:ext uri="{91240B29-F687-4f45-9708-019B960494DF}">
-                <a14:hiddenLine xmlns="" xmlns:a14="http://schemas.microsoft.com/office/drawing/2010/main" w="9525">
+                <a14:hiddenLine xmlns:a14="http://schemas.microsoft.com/office/drawing/2010/main" xmlns="" w="9525">
                   <a:solidFill>
                     <a:srgbClr val="000000"/>
                   </a:solidFill>
@@ -24826,7 +24826,7 @@
             </a:ln>
             <a:extLst>
               <a:ext uri="{91240B29-F687-4f45-9708-019B960494DF}">
-                <a14:hiddenLine xmlns="" xmlns:a14="http://schemas.microsoft.com/office/drawing/2010/main" w="9525">
+                <a14:hiddenLine xmlns:a14="http://schemas.microsoft.com/office/drawing/2010/main" xmlns="" w="9525">
                   <a:solidFill>
                     <a:srgbClr val="000000"/>
                   </a:solidFill>
@@ -24888,7 +24888,7 @@
             </a:ln>
             <a:extLst>
               <a:ext uri="{91240B29-F687-4f45-9708-019B960494DF}">
-                <a14:hiddenLine xmlns="" xmlns:a14="http://schemas.microsoft.com/office/drawing/2010/main" w="9525">
+                <a14:hiddenLine xmlns:a14="http://schemas.microsoft.com/office/drawing/2010/main" xmlns="" w="9525">
                   <a:solidFill>
                     <a:srgbClr val="000000"/>
                   </a:solidFill>
@@ -24978,7 +24978,7 @@
             </a:ln>
             <a:extLst>
               <a:ext uri="{91240B29-F687-4f45-9708-019B960494DF}">
-                <a14:hiddenLine xmlns="" xmlns:a14="http://schemas.microsoft.com/office/drawing/2010/main" w="9525">
+                <a14:hiddenLine xmlns:a14="http://schemas.microsoft.com/office/drawing/2010/main" xmlns="" w="9525">
                   <a:solidFill>
                     <a:srgbClr val="000000"/>
                   </a:solidFill>
@@ -25068,7 +25068,7 @@
             </a:ln>
             <a:extLst>
               <a:ext uri="{91240B29-F687-4f45-9708-019B960494DF}">
-                <a14:hiddenLine xmlns="" xmlns:a14="http://schemas.microsoft.com/office/drawing/2010/main" w="9525">
+                <a14:hiddenLine xmlns:a14="http://schemas.microsoft.com/office/drawing/2010/main" xmlns="" w="9525">
                   <a:solidFill>
                     <a:srgbClr val="000000"/>
                   </a:solidFill>
@@ -25130,7 +25130,7 @@
             </a:ln>
             <a:extLst>
               <a:ext uri="{91240B29-F687-4f45-9708-019B960494DF}">
-                <a14:hiddenLine xmlns="" xmlns:a14="http://schemas.microsoft.com/office/drawing/2010/main" w="9525">
+                <a14:hiddenLine xmlns:a14="http://schemas.microsoft.com/office/drawing/2010/main" xmlns="" w="9525">
                   <a:solidFill>
                     <a:srgbClr val="000000"/>
                   </a:solidFill>
@@ -25240,7 +25240,7 @@
             </a:ln>
             <a:extLst>
               <a:ext uri="{91240B29-F687-4f45-9708-019B960494DF}">
-                <a14:hiddenLine xmlns="" xmlns:a14="http://schemas.microsoft.com/office/drawing/2010/main" w="9525">
+                <a14:hiddenLine xmlns:a14="http://schemas.microsoft.com/office/drawing/2010/main" xmlns="" w="9525">
                   <a:solidFill>
                     <a:srgbClr val="000000"/>
                   </a:solidFill>
@@ -25302,7 +25302,7 @@
             </a:ln>
             <a:extLst>
               <a:ext uri="{91240B29-F687-4f45-9708-019B960494DF}">
-                <a14:hiddenLine xmlns="" xmlns:a14="http://schemas.microsoft.com/office/drawing/2010/main" w="9525">
+                <a14:hiddenLine xmlns:a14="http://schemas.microsoft.com/office/drawing/2010/main" xmlns="" w="9525">
                   <a:solidFill>
                     <a:srgbClr val="000000"/>
                   </a:solidFill>
@@ -25392,7 +25392,7 @@
             </a:ln>
             <a:extLst>
               <a:ext uri="{91240B29-F687-4f45-9708-019B960494DF}">
-                <a14:hiddenLine xmlns="" xmlns:a14="http://schemas.microsoft.com/office/drawing/2010/main" w="9525">
+                <a14:hiddenLine xmlns:a14="http://schemas.microsoft.com/office/drawing/2010/main" xmlns="" w="9525">
                   <a:solidFill>
                     <a:srgbClr val="000000"/>
                   </a:solidFill>
@@ -25482,7 +25482,7 @@
             </a:ln>
             <a:extLst>
               <a:ext uri="{91240B29-F687-4f45-9708-019B960494DF}">
-                <a14:hiddenLine xmlns="" xmlns:a14="http://schemas.microsoft.com/office/drawing/2010/main" w="9525">
+                <a14:hiddenLine xmlns:a14="http://schemas.microsoft.com/office/drawing/2010/main" xmlns="" w="9525">
                   <a:solidFill>
                     <a:srgbClr val="000000"/>
                   </a:solidFill>
@@ -25544,7 +25544,7 @@
             </a:ln>
             <a:extLst>
               <a:ext uri="{91240B29-F687-4f45-9708-019B960494DF}">
-                <a14:hiddenLine xmlns="" xmlns:a14="http://schemas.microsoft.com/office/drawing/2010/main" w="9525">
+                <a14:hiddenLine xmlns:a14="http://schemas.microsoft.com/office/drawing/2010/main" xmlns="" w="9525">
                   <a:solidFill>
                     <a:srgbClr val="000000"/>
                   </a:solidFill>
@@ -25634,7 +25634,7 @@
             </a:ln>
             <a:extLst>
               <a:ext uri="{91240B29-F687-4f45-9708-019B960494DF}">
-                <a14:hiddenLine xmlns="" xmlns:a14="http://schemas.microsoft.com/office/drawing/2010/main" w="9525">
+                <a14:hiddenLine xmlns:a14="http://schemas.microsoft.com/office/drawing/2010/main" xmlns="" w="9525">
                   <a:solidFill>
                     <a:srgbClr val="000000"/>
                   </a:solidFill>
@@ -25724,7 +25724,7 @@
             </a:ln>
             <a:extLst>
               <a:ext uri="{91240B29-F687-4f45-9708-019B960494DF}">
-                <a14:hiddenLine xmlns="" xmlns:a14="http://schemas.microsoft.com/office/drawing/2010/main" w="9525">
+                <a14:hiddenLine xmlns:a14="http://schemas.microsoft.com/office/drawing/2010/main" xmlns="" w="9525">
                   <a:solidFill>
                     <a:srgbClr val="000000"/>
                   </a:solidFill>
@@ -25780,7 +25780,7 @@
             </a:ln>
             <a:extLst>
               <a:ext uri="{91240B29-F687-4f45-9708-019B960494DF}">
-                <a14:hiddenLine xmlns="" xmlns:a14="http://schemas.microsoft.com/office/drawing/2010/main" w="9525">
+                <a14:hiddenLine xmlns:a14="http://schemas.microsoft.com/office/drawing/2010/main" xmlns="" w="9525">
                   <a:solidFill>
                     <a:srgbClr val="000000"/>
                   </a:solidFill>
@@ -25870,7 +25870,7 @@
             </a:ln>
             <a:extLst>
               <a:ext uri="{91240B29-F687-4f45-9708-019B960494DF}">
-                <a14:hiddenLine xmlns="" xmlns:a14="http://schemas.microsoft.com/office/drawing/2010/main" w="9525">
+                <a14:hiddenLine xmlns:a14="http://schemas.microsoft.com/office/drawing/2010/main" xmlns="" w="9525">
                   <a:solidFill>
                     <a:srgbClr val="000000"/>
                   </a:solidFill>
@@ -25926,7 +25926,7 @@
             </a:ln>
             <a:extLst>
               <a:ext uri="{91240B29-F687-4f45-9708-019B960494DF}">
-                <a14:hiddenLine xmlns="" xmlns:a14="http://schemas.microsoft.com/office/drawing/2010/main" w="9525">
+                <a14:hiddenLine xmlns:a14="http://schemas.microsoft.com/office/drawing/2010/main" xmlns="" w="9525">
                   <a:solidFill>
                     <a:srgbClr val="000000"/>
                   </a:solidFill>
@@ -26016,7 +26016,7 @@
             </a:ln>
             <a:extLst>
               <a:ext uri="{91240B29-F687-4f45-9708-019B960494DF}">
-                <a14:hiddenLine xmlns="" xmlns:a14="http://schemas.microsoft.com/office/drawing/2010/main" w="9525">
+                <a14:hiddenLine xmlns:a14="http://schemas.microsoft.com/office/drawing/2010/main" xmlns="" w="9525">
                   <a:solidFill>
                     <a:srgbClr val="000000"/>
                   </a:solidFill>
@@ -26084,7 +26084,7 @@
             </a:ln>
             <a:extLst>
               <a:ext uri="{91240B29-F687-4f45-9708-019B960494DF}">
-                <a14:hiddenLine xmlns="" xmlns:a14="http://schemas.microsoft.com/office/drawing/2010/main" w="9525">
+                <a14:hiddenLine xmlns:a14="http://schemas.microsoft.com/office/drawing/2010/main" xmlns="" w="9525">
                   <a:solidFill>
                     <a:srgbClr val="000000"/>
                   </a:solidFill>
@@ -26174,7 +26174,7 @@
             </a:ln>
             <a:extLst>
               <a:ext uri="{91240B29-F687-4f45-9708-019B960494DF}">
-                <a14:hiddenLine xmlns="" xmlns:a14="http://schemas.microsoft.com/office/drawing/2010/main" w="9525">
+                <a14:hiddenLine xmlns:a14="http://schemas.microsoft.com/office/drawing/2010/main" xmlns="" w="9525">
                   <a:solidFill>
                     <a:srgbClr val="000000"/>
                   </a:solidFill>
@@ -26242,7 +26242,7 @@
             </a:ln>
             <a:extLst>
               <a:ext uri="{91240B29-F687-4f45-9708-019B960494DF}">
-                <a14:hiddenLine xmlns="" xmlns:a14="http://schemas.microsoft.com/office/drawing/2010/main" w="9525">
+                <a14:hiddenLine xmlns:a14="http://schemas.microsoft.com/office/drawing/2010/main" xmlns="" w="9525">
                   <a:solidFill>
                     <a:srgbClr val="000000"/>
                   </a:solidFill>
@@ -26332,7 +26332,7 @@
             </a:ln>
             <a:extLst>
               <a:ext uri="{91240B29-F687-4f45-9708-019B960494DF}">
-                <a14:hiddenLine xmlns="" xmlns:a14="http://schemas.microsoft.com/office/drawing/2010/main" w="9525">
+                <a14:hiddenLine xmlns:a14="http://schemas.microsoft.com/office/drawing/2010/main" xmlns="" w="9525">
                   <a:solidFill>
                     <a:srgbClr val="000000"/>
                   </a:solidFill>
@@ -26366,7 +26366,7 @@
             </a:ln>
             <a:extLst>
               <a:ext uri="{91240B29-F687-4f45-9708-019B960494DF}">
-                <a14:hiddenLine xmlns="" xmlns:a14="http://schemas.microsoft.com/office/drawing/2010/main" w="9525">
+                <a14:hiddenLine xmlns:a14="http://schemas.microsoft.com/office/drawing/2010/main" xmlns="" w="9525">
                   <a:solidFill>
                     <a:srgbClr val="000000"/>
                   </a:solidFill>
@@ -26456,7 +26456,7 @@
             </a:ln>
             <a:extLst>
               <a:ext uri="{91240B29-F687-4f45-9708-019B960494DF}">
-                <a14:hiddenLine xmlns="" xmlns:a14="http://schemas.microsoft.com/office/drawing/2010/main" w="9525">
+                <a14:hiddenLine xmlns:a14="http://schemas.microsoft.com/office/drawing/2010/main" xmlns="" w="9525">
                   <a:solidFill>
                     <a:srgbClr val="000000"/>
                   </a:solidFill>
@@ -26518,7 +26518,7 @@
             </a:ln>
             <a:extLst>
               <a:ext uri="{91240B29-F687-4f45-9708-019B960494DF}">
-                <a14:hiddenLine xmlns="" xmlns:a14="http://schemas.microsoft.com/office/drawing/2010/main" w="9525">
+                <a14:hiddenLine xmlns:a14="http://schemas.microsoft.com/office/drawing/2010/main" xmlns="" w="9525">
                   <a:solidFill>
                     <a:srgbClr val="000000"/>
                   </a:solidFill>
@@ -26580,7 +26580,7 @@
             </a:ln>
             <a:extLst>
               <a:ext uri="{91240B29-F687-4f45-9708-019B960494DF}">
-                <a14:hiddenLine xmlns="" xmlns:a14="http://schemas.microsoft.com/office/drawing/2010/main" w="9525">
+                <a14:hiddenLine xmlns:a14="http://schemas.microsoft.com/office/drawing/2010/main" xmlns="" w="9525">
                   <a:solidFill>
                     <a:srgbClr val="000000"/>
                   </a:solidFill>
@@ -26670,7 +26670,7 @@
             </a:ln>
             <a:extLst>
               <a:ext uri="{91240B29-F687-4f45-9708-019B960494DF}">
-                <a14:hiddenLine xmlns="" xmlns:a14="http://schemas.microsoft.com/office/drawing/2010/main" w="9525">
+                <a14:hiddenLine xmlns:a14="http://schemas.microsoft.com/office/drawing/2010/main" xmlns="" w="9525">
                   <a:solidFill>
                     <a:srgbClr val="000000"/>
                   </a:solidFill>
@@ -26738,7 +26738,7 @@
             </a:ln>
             <a:extLst>
               <a:ext uri="{91240B29-F687-4f45-9708-019B960494DF}">
-                <a14:hiddenLine xmlns="" xmlns:a14="http://schemas.microsoft.com/office/drawing/2010/main" w="9525">
+                <a14:hiddenLine xmlns:a14="http://schemas.microsoft.com/office/drawing/2010/main" xmlns="" w="9525">
                   <a:solidFill>
                     <a:srgbClr val="000000"/>
                   </a:solidFill>
@@ -26800,7 +26800,7 @@
             </a:ln>
             <a:extLst>
               <a:ext uri="{91240B29-F687-4f45-9708-019B960494DF}">
-                <a14:hiddenLine xmlns="" xmlns:a14="http://schemas.microsoft.com/office/drawing/2010/main" w="9525">
+                <a14:hiddenLine xmlns:a14="http://schemas.microsoft.com/office/drawing/2010/main" xmlns="" w="9525">
                   <a:solidFill>
                     <a:srgbClr val="000000"/>
                   </a:solidFill>
@@ -26890,7 +26890,7 @@
             </a:ln>
             <a:extLst>
               <a:ext uri="{91240B29-F687-4f45-9708-019B960494DF}">
-                <a14:hiddenLine xmlns="" xmlns:a14="http://schemas.microsoft.com/office/drawing/2010/main" w="9525">
+                <a14:hiddenLine xmlns:a14="http://schemas.microsoft.com/office/drawing/2010/main" xmlns="" w="9525">
                   <a:solidFill>
                     <a:srgbClr val="000000"/>
                   </a:solidFill>
@@ -26952,7 +26952,7 @@
             </a:ln>
             <a:extLst>
               <a:ext uri="{91240B29-F687-4f45-9708-019B960494DF}">
-                <a14:hiddenLine xmlns="" xmlns:a14="http://schemas.microsoft.com/office/drawing/2010/main" w="9525">
+                <a14:hiddenLine xmlns:a14="http://schemas.microsoft.com/office/drawing/2010/main" xmlns="" w="9525">
                   <a:solidFill>
                     <a:srgbClr val="000000"/>
                   </a:solidFill>
@@ -27042,7 +27042,7 @@
             </a:ln>
             <a:extLst>
               <a:ext uri="{91240B29-F687-4f45-9708-019B960494DF}">
-                <a14:hiddenLine xmlns="" xmlns:a14="http://schemas.microsoft.com/office/drawing/2010/main" w="9525">
+                <a14:hiddenLine xmlns:a14="http://schemas.microsoft.com/office/drawing/2010/main" xmlns="" w="9525">
                   <a:solidFill>
                     <a:srgbClr val="000000"/>
                   </a:solidFill>
@@ -27104,7 +27104,7 @@
             </a:ln>
             <a:extLst>
               <a:ext uri="{91240B29-F687-4f45-9708-019B960494DF}">
-                <a14:hiddenLine xmlns="" xmlns:a14="http://schemas.microsoft.com/office/drawing/2010/main" w="9525">
+                <a14:hiddenLine xmlns:a14="http://schemas.microsoft.com/office/drawing/2010/main" xmlns="" w="9525">
                   <a:solidFill>
                     <a:srgbClr val="000000"/>
                   </a:solidFill>
@@ -27194,7 +27194,7 @@
             </a:ln>
             <a:extLst>
               <a:ext uri="{91240B29-F687-4f45-9708-019B960494DF}">
-                <a14:hiddenLine xmlns="" xmlns:a14="http://schemas.microsoft.com/office/drawing/2010/main" w="9525">
+                <a14:hiddenLine xmlns:a14="http://schemas.microsoft.com/office/drawing/2010/main" xmlns="" w="9525">
                   <a:solidFill>
                     <a:srgbClr val="000000"/>
                   </a:solidFill>
@@ -27228,7 +27228,7 @@
             </a:ln>
             <a:extLst>
               <a:ext uri="{91240B29-F687-4f45-9708-019B960494DF}">
-                <a14:hiddenLine xmlns="" xmlns:a14="http://schemas.microsoft.com/office/drawing/2010/main" w="9525">
+                <a14:hiddenLine xmlns:a14="http://schemas.microsoft.com/office/drawing/2010/main" xmlns="" w="9525">
                   <a:solidFill>
                     <a:srgbClr val="000000"/>
                   </a:solidFill>
@@ -27293,7 +27293,7 @@
             </a:ln>
             <a:extLst>
               <a:ext uri="{91240B29-F687-4f45-9708-019B960494DF}">
-                <a14:hiddenLine xmlns="" xmlns:a14="http://schemas.microsoft.com/office/drawing/2010/main" w="9525">
+                <a14:hiddenLine xmlns:a14="http://schemas.microsoft.com/office/drawing/2010/main" xmlns="" w="9525">
                   <a:solidFill>
                     <a:srgbClr val="000000"/>
                   </a:solidFill>
@@ -27383,7 +27383,7 @@
             </a:ln>
             <a:extLst>
               <a:ext uri="{91240B29-F687-4f45-9708-019B960494DF}">
-                <a14:hiddenLine xmlns="" xmlns:a14="http://schemas.microsoft.com/office/drawing/2010/main" w="9525">
+                <a14:hiddenLine xmlns:a14="http://schemas.microsoft.com/office/drawing/2010/main" xmlns="" w="9525">
                   <a:solidFill>
                     <a:srgbClr val="000000"/>
                   </a:solidFill>
@@ -27445,7 +27445,7 @@
             </a:ln>
             <a:extLst>
               <a:ext uri="{91240B29-F687-4f45-9708-019B960494DF}">
-                <a14:hiddenLine xmlns="" xmlns:a14="http://schemas.microsoft.com/office/drawing/2010/main" w="9525">
+                <a14:hiddenLine xmlns:a14="http://schemas.microsoft.com/office/drawing/2010/main" xmlns="" w="9525">
                   <a:solidFill>
                     <a:srgbClr val="000000"/>
                   </a:solidFill>
@@ -27535,7 +27535,7 @@
             </a:ln>
             <a:extLst>
               <a:ext uri="{91240B29-F687-4f45-9708-019B960494DF}">
-                <a14:hiddenLine xmlns="" xmlns:a14="http://schemas.microsoft.com/office/drawing/2010/main" w="9525">
+                <a14:hiddenLine xmlns:a14="http://schemas.microsoft.com/office/drawing/2010/main" xmlns="" w="9525">
                   <a:solidFill>
                     <a:srgbClr val="000000"/>
                   </a:solidFill>
@@ -27625,7 +27625,7 @@
             </a:ln>
             <a:extLst>
               <a:ext uri="{91240B29-F687-4f45-9708-019B960494DF}">
-                <a14:hiddenLine xmlns="" xmlns:a14="http://schemas.microsoft.com/office/drawing/2010/main" w="9525">
+                <a14:hiddenLine xmlns:a14="http://schemas.microsoft.com/office/drawing/2010/main" xmlns="" w="9525">
                   <a:solidFill>
                     <a:srgbClr val="000000"/>
                   </a:solidFill>
@@ -27690,7 +27690,7 @@
             </a:ln>
             <a:extLst>
               <a:ext uri="{91240B29-F687-4f45-9708-019B960494DF}">
-                <a14:hiddenLine xmlns="" xmlns:a14="http://schemas.microsoft.com/office/drawing/2010/main" w="9525">
+                <a14:hiddenLine xmlns:a14="http://schemas.microsoft.com/office/drawing/2010/main" xmlns="" w="9525">
                   <a:solidFill>
                     <a:srgbClr val="000000"/>
                   </a:solidFill>
@@ -27752,7 +27752,7 @@
             </a:ln>
             <a:extLst>
               <a:ext uri="{91240B29-F687-4f45-9708-019B960494DF}">
-                <a14:hiddenLine xmlns="" xmlns:a14="http://schemas.microsoft.com/office/drawing/2010/main" w="9525">
+                <a14:hiddenLine xmlns:a14="http://schemas.microsoft.com/office/drawing/2010/main" xmlns="" w="9525">
                   <a:solidFill>
                     <a:srgbClr val="000000"/>
                   </a:solidFill>
@@ -27842,7 +27842,7 @@
             </a:ln>
             <a:extLst>
               <a:ext uri="{91240B29-F687-4f45-9708-019B960494DF}">
-                <a14:hiddenLine xmlns="" xmlns:a14="http://schemas.microsoft.com/office/drawing/2010/main" w="9525">
+                <a14:hiddenLine xmlns:a14="http://schemas.microsoft.com/office/drawing/2010/main" xmlns="" w="9525">
                   <a:solidFill>
                     <a:srgbClr val="000000"/>
                   </a:solidFill>
@@ -27932,7 +27932,7 @@
             </a:ln>
             <a:extLst>
               <a:ext uri="{91240B29-F687-4f45-9708-019B960494DF}">
-                <a14:hiddenLine xmlns="" xmlns:a14="http://schemas.microsoft.com/office/drawing/2010/main" w="9525">
+                <a14:hiddenLine xmlns:a14="http://schemas.microsoft.com/office/drawing/2010/main" xmlns="" w="9525">
                   <a:solidFill>
                     <a:srgbClr val="000000"/>
                   </a:solidFill>
@@ -27994,7 +27994,7 @@
             </a:ln>
             <a:extLst>
               <a:ext uri="{91240B29-F687-4f45-9708-019B960494DF}">
-                <a14:hiddenLine xmlns="" xmlns:a14="http://schemas.microsoft.com/office/drawing/2010/main" w="9525">
+                <a14:hiddenLine xmlns:a14="http://schemas.microsoft.com/office/drawing/2010/main" xmlns="" w="9525">
                   <a:solidFill>
                     <a:srgbClr val="000000"/>
                   </a:solidFill>
@@ -28114,7 +28114,7 @@
             </a:ln>
             <a:extLst>
               <a:ext uri="{91240B29-F687-4f45-9708-019B960494DF}">
-                <a14:hiddenLine xmlns="" xmlns:a14="http://schemas.microsoft.com/office/drawing/2010/main" w="9525">
+                <a14:hiddenLine xmlns:a14="http://schemas.microsoft.com/office/drawing/2010/main" xmlns="" w="9525">
                   <a:solidFill>
                     <a:srgbClr val="000000"/>
                   </a:solidFill>
@@ -28182,7 +28182,7 @@
             </a:ln>
             <a:extLst>
               <a:ext uri="{91240B29-F687-4f45-9708-019B960494DF}">
-                <a14:hiddenLine xmlns="" xmlns:a14="http://schemas.microsoft.com/office/drawing/2010/main" w="9525">
+                <a14:hiddenLine xmlns:a14="http://schemas.microsoft.com/office/drawing/2010/main" xmlns="" w="9525">
                   <a:solidFill>
                     <a:srgbClr val="000000"/>
                   </a:solidFill>
@@ -28272,7 +28272,7 @@
             </a:ln>
             <a:extLst>
               <a:ext uri="{91240B29-F687-4f45-9708-019B960494DF}">
-                <a14:hiddenLine xmlns="" xmlns:a14="http://schemas.microsoft.com/office/drawing/2010/main" w="9525">
+                <a14:hiddenLine xmlns:a14="http://schemas.microsoft.com/office/drawing/2010/main" xmlns="" w="9525">
                   <a:solidFill>
                     <a:srgbClr val="000000"/>
                   </a:solidFill>
@@ -28412,7 +28412,7 @@
           <a:p>
             <a:fld id="{B76943AF-B946-47F7-8510-2C710F5C29B5}" type="datetimeFigureOut">
               <a:rPr lang="en-US" smtClean="0"/>
-              <a:t>1/16/2018</a:t>
+              <a:t>1/17/2018</a:t>
             </a:fld>
             <a:endParaRPr lang="en-US" dirty="0"/>
           </a:p>
@@ -28678,7 +28678,7 @@
           <a:p>
             <a:fld id="{B76943AF-B946-47F7-8510-2C710F5C29B5}" type="datetimeFigureOut">
               <a:rPr lang="en-US" smtClean="0"/>
-              <a:t>1/16/2018</a:t>
+              <a:t>1/17/2018</a:t>
             </a:fld>
             <a:endParaRPr lang="en-US" dirty="0"/>
           </a:p>
@@ -28874,7 +28874,7 @@
           <a:p>
             <a:fld id="{B76943AF-B946-47F7-8510-2C710F5C29B5}" type="datetimeFigureOut">
               <a:rPr lang="en-US" smtClean="0"/>
-              <a:t>1/16/2018</a:t>
+              <a:t>1/17/2018</a:t>
             </a:fld>
             <a:endParaRPr lang="en-US" dirty="0"/>
           </a:p>
@@ -29137,7 +29137,7 @@
           <a:p>
             <a:fld id="{B76943AF-B946-47F7-8510-2C710F5C29B5}" type="datetimeFigureOut">
               <a:rPr lang="en-US" smtClean="0"/>
-              <a:t>1/16/2018</a:t>
+              <a:t>1/17/2018</a:t>
             </a:fld>
             <a:endParaRPr lang="en-US" dirty="0"/>
           </a:p>
@@ -29616,7 +29616,7 @@
           <a:p>
             <a:fld id="{B76943AF-B946-47F7-8510-2C710F5C29B5}" type="datetimeFigureOut">
               <a:rPr lang="en-US" smtClean="0"/>
-              <a:t>1/16/2018</a:t>
+              <a:t>1/17/2018</a:t>
             </a:fld>
             <a:endParaRPr lang="en-US" dirty="0"/>
           </a:p>
@@ -30162,7 +30162,7 @@
           <a:p>
             <a:fld id="{B76943AF-B946-47F7-8510-2C710F5C29B5}" type="datetimeFigureOut">
               <a:rPr lang="en-US" smtClean="0"/>
-              <a:t>1/16/2018</a:t>
+              <a:t>1/17/2018</a:t>
             </a:fld>
             <a:endParaRPr lang="en-US" dirty="0"/>
           </a:p>
@@ -30879,7 +30879,7 @@
           <a:p>
             <a:fld id="{B76943AF-B946-47F7-8510-2C710F5C29B5}" type="datetimeFigureOut">
               <a:rPr lang="en-US" smtClean="0"/>
-              <a:t>1/16/2018</a:t>
+              <a:t>1/17/2018</a:t>
             </a:fld>
             <a:endParaRPr lang="en-US" dirty="0"/>
           </a:p>
@@ -31049,7 +31049,7 @@
           <a:p>
             <a:fld id="{B76943AF-B946-47F7-8510-2C710F5C29B5}" type="datetimeFigureOut">
               <a:rPr lang="en-US" smtClean="0"/>
-              <a:t>1/16/2018</a:t>
+              <a:t>1/17/2018</a:t>
             </a:fld>
             <a:endParaRPr lang="en-US" dirty="0"/>
           </a:p>
@@ -31229,7 +31229,7 @@
           <a:p>
             <a:fld id="{B76943AF-B946-47F7-8510-2C710F5C29B5}" type="datetimeFigureOut">
               <a:rPr lang="en-US" smtClean="0"/>
-              <a:t>1/16/2018</a:t>
+              <a:t>1/17/2018</a:t>
             </a:fld>
             <a:endParaRPr lang="en-US" dirty="0"/>
           </a:p>
@@ -31399,7 +31399,7 @@
           <a:p>
             <a:fld id="{B76943AF-B946-47F7-8510-2C710F5C29B5}" type="datetimeFigureOut">
               <a:rPr lang="en-US" smtClean="0"/>
-              <a:t>1/16/2018</a:t>
+              <a:t>1/17/2018</a:t>
             </a:fld>
             <a:endParaRPr lang="en-US" dirty="0"/>
           </a:p>
@@ -31694,7 +31694,7 @@
           <a:p>
             <a:fld id="{B76943AF-B946-47F7-8510-2C710F5C29B5}" type="datetimeFigureOut">
               <a:rPr lang="en-US" smtClean="0"/>
-              <a:t>1/16/2018</a:t>
+              <a:t>1/17/2018</a:t>
             </a:fld>
             <a:endParaRPr lang="en-US" dirty="0"/>
           </a:p>
@@ -31926,7 +31926,7 @@
           <a:p>
             <a:fld id="{B76943AF-B946-47F7-8510-2C710F5C29B5}" type="datetimeFigureOut">
               <a:rPr lang="en-US" smtClean="0"/>
-              <a:t>1/16/2018</a:t>
+              <a:t>1/17/2018</a:t>
             </a:fld>
             <a:endParaRPr lang="en-US" dirty="0"/>
           </a:p>
@@ -32307,7 +32307,7 @@
           <a:p>
             <a:fld id="{B76943AF-B946-47F7-8510-2C710F5C29B5}" type="datetimeFigureOut">
               <a:rPr lang="en-US" smtClean="0"/>
-              <a:t>1/16/2018</a:t>
+              <a:t>1/17/2018</a:t>
             </a:fld>
             <a:endParaRPr lang="en-US" dirty="0"/>
           </a:p>
@@ -32425,7 +32425,7 @@
           <a:p>
             <a:fld id="{B76943AF-B946-47F7-8510-2C710F5C29B5}" type="datetimeFigureOut">
               <a:rPr lang="en-US" smtClean="0"/>
-              <a:t>1/16/2018</a:t>
+              <a:t>1/17/2018</a:t>
             </a:fld>
             <a:endParaRPr lang="en-US" dirty="0"/>
           </a:p>
@@ -32520,7 +32520,7 @@
           <a:p>
             <a:fld id="{B76943AF-B946-47F7-8510-2C710F5C29B5}" type="datetimeFigureOut">
               <a:rPr lang="en-US" smtClean="0"/>
-              <a:t>1/16/2018</a:t>
+              <a:t>1/17/2018</a:t>
             </a:fld>
             <a:endParaRPr lang="en-US" dirty="0"/>
           </a:p>
@@ -32769,7 +32769,7 @@
           <a:p>
             <a:fld id="{B76943AF-B946-47F7-8510-2C710F5C29B5}" type="datetimeFigureOut">
               <a:rPr lang="en-US" smtClean="0"/>
-              <a:t>1/16/2018</a:t>
+              <a:t>1/17/2018</a:t>
             </a:fld>
             <a:endParaRPr lang="en-US" dirty="0"/>
           </a:p>
@@ -33048,7 +33048,7 @@
           <a:p>
             <a:fld id="{B76943AF-B946-47F7-8510-2C710F5C29B5}" type="datetimeFigureOut">
               <a:rPr lang="en-US" smtClean="0"/>
-              <a:t>1/16/2018</a:t>
+              <a:t>1/17/2018</a:t>
             </a:fld>
             <a:endParaRPr lang="en-US" dirty="0"/>
           </a:p>
@@ -33207,7 +33207,7 @@
               </a:ln>
               <a:extLst>
                 <a:ext uri="{91240B29-F687-4f45-9708-019B960494DF}">
-                  <a14:hiddenLine xmlns="" xmlns:a14="http://schemas.microsoft.com/office/drawing/2010/main" w="9525">
+                  <a14:hiddenLine xmlns:a14="http://schemas.microsoft.com/office/drawing/2010/main" xmlns="" w="9525">
                     <a:solidFill>
                       <a:srgbClr val="000000"/>
                     </a:solidFill>
@@ -33297,7 +33297,7 @@
               </a:ln>
               <a:extLst>
                 <a:ext uri="{91240B29-F687-4f45-9708-019B960494DF}">
-                  <a14:hiddenLine xmlns="" xmlns:a14="http://schemas.microsoft.com/office/drawing/2010/main" w="9525">
+                  <a14:hiddenLine xmlns:a14="http://schemas.microsoft.com/office/drawing/2010/main" xmlns="" w="9525">
                     <a:solidFill>
                       <a:srgbClr val="000000"/>
                     </a:solidFill>
@@ -33387,7 +33387,7 @@
               </a:ln>
               <a:extLst>
                 <a:ext uri="{91240B29-F687-4f45-9708-019B960494DF}">
-                  <a14:hiddenLine xmlns="" xmlns:a14="http://schemas.microsoft.com/office/drawing/2010/main" w="9525">
+                  <a14:hiddenLine xmlns:a14="http://schemas.microsoft.com/office/drawing/2010/main" xmlns="" w="9525">
                     <a:solidFill>
                       <a:srgbClr val="000000"/>
                     </a:solidFill>
@@ -33449,7 +33449,7 @@
               </a:ln>
               <a:extLst>
                 <a:ext uri="{91240B29-F687-4f45-9708-019B960494DF}">
-                  <a14:hiddenLine xmlns="" xmlns:a14="http://schemas.microsoft.com/office/drawing/2010/main" w="9525">
+                  <a14:hiddenLine xmlns:a14="http://schemas.microsoft.com/office/drawing/2010/main" xmlns="" w="9525">
                     <a:solidFill>
                       <a:srgbClr val="000000"/>
                     </a:solidFill>
@@ -33539,7 +33539,7 @@
               </a:ln>
               <a:extLst>
                 <a:ext uri="{91240B29-F687-4f45-9708-019B960494DF}">
-                  <a14:hiddenLine xmlns="" xmlns:a14="http://schemas.microsoft.com/office/drawing/2010/main" w="9525">
+                  <a14:hiddenLine xmlns:a14="http://schemas.microsoft.com/office/drawing/2010/main" xmlns="" w="9525">
                     <a:solidFill>
                       <a:srgbClr val="000000"/>
                     </a:solidFill>
@@ -33601,7 +33601,7 @@
               </a:ln>
               <a:extLst>
                 <a:ext uri="{91240B29-F687-4f45-9708-019B960494DF}">
-                  <a14:hiddenLine xmlns="" xmlns:a14="http://schemas.microsoft.com/office/drawing/2010/main" w="9525">
+                  <a14:hiddenLine xmlns:a14="http://schemas.microsoft.com/office/drawing/2010/main" xmlns="" w="9525">
                     <a:solidFill>
                       <a:srgbClr val="000000"/>
                     </a:solidFill>
@@ -33663,7 +33663,7 @@
               </a:ln>
               <a:extLst>
                 <a:ext uri="{91240B29-F687-4f45-9708-019B960494DF}">
-                  <a14:hiddenLine xmlns="" xmlns:a14="http://schemas.microsoft.com/office/drawing/2010/main" w="9525">
+                  <a14:hiddenLine xmlns:a14="http://schemas.microsoft.com/office/drawing/2010/main" xmlns="" w="9525">
                     <a:solidFill>
                       <a:srgbClr val="000000"/>
                     </a:solidFill>
@@ -33753,7 +33753,7 @@
               </a:ln>
               <a:extLst>
                 <a:ext uri="{91240B29-F687-4f45-9708-019B960494DF}">
-                  <a14:hiddenLine xmlns="" xmlns:a14="http://schemas.microsoft.com/office/drawing/2010/main" w="9525">
+                  <a14:hiddenLine xmlns:a14="http://schemas.microsoft.com/office/drawing/2010/main" xmlns="" w="9525">
                     <a:solidFill>
                       <a:srgbClr val="000000"/>
                     </a:solidFill>
@@ -33843,7 +33843,7 @@
               </a:ln>
               <a:extLst>
                 <a:ext uri="{91240B29-F687-4f45-9708-019B960494DF}">
-                  <a14:hiddenLine xmlns="" xmlns:a14="http://schemas.microsoft.com/office/drawing/2010/main" w="9525">
+                  <a14:hiddenLine xmlns:a14="http://schemas.microsoft.com/office/drawing/2010/main" xmlns="" w="9525">
                     <a:solidFill>
                       <a:srgbClr val="000000"/>
                     </a:solidFill>
@@ -33905,7 +33905,7 @@
               </a:ln>
               <a:extLst>
                 <a:ext uri="{91240B29-F687-4f45-9708-019B960494DF}">
-                  <a14:hiddenLine xmlns="" xmlns:a14="http://schemas.microsoft.com/office/drawing/2010/main" w="9525">
+                  <a14:hiddenLine xmlns:a14="http://schemas.microsoft.com/office/drawing/2010/main" xmlns="" w="9525">
                     <a:solidFill>
                       <a:srgbClr val="000000"/>
                     </a:solidFill>
@@ -34015,7 +34015,7 @@
               </a:ln>
               <a:extLst>
                 <a:ext uri="{91240B29-F687-4f45-9708-019B960494DF}">
-                  <a14:hiddenLine xmlns="" xmlns:a14="http://schemas.microsoft.com/office/drawing/2010/main" w="9525">
+                  <a14:hiddenLine xmlns:a14="http://schemas.microsoft.com/office/drawing/2010/main" xmlns="" w="9525">
                     <a:solidFill>
                       <a:srgbClr val="000000"/>
                     </a:solidFill>
@@ -34099,7 +34099,7 @@
               </a:ln>
               <a:extLst>
                 <a:ext uri="{91240B29-F687-4f45-9708-019B960494DF}">
-                  <a14:hiddenLine xmlns="" xmlns:a14="http://schemas.microsoft.com/office/drawing/2010/main" w="9525">
+                  <a14:hiddenLine xmlns:a14="http://schemas.microsoft.com/office/drawing/2010/main" xmlns="" w="9525">
                     <a:solidFill>
                       <a:srgbClr val="000000"/>
                     </a:solidFill>
@@ -34161,7 +34161,7 @@
               </a:ln>
               <a:extLst>
                 <a:ext uri="{91240B29-F687-4f45-9708-019B960494DF}">
-                  <a14:hiddenLine xmlns="" xmlns:a14="http://schemas.microsoft.com/office/drawing/2010/main" w="9525">
+                  <a14:hiddenLine xmlns:a14="http://schemas.microsoft.com/office/drawing/2010/main" xmlns="" w="9525">
                     <a:solidFill>
                       <a:srgbClr val="000000"/>
                     </a:solidFill>
@@ -34223,7 +34223,7 @@
               </a:ln>
               <a:extLst>
                 <a:ext uri="{91240B29-F687-4f45-9708-019B960494DF}">
-                  <a14:hiddenLine xmlns="" xmlns:a14="http://schemas.microsoft.com/office/drawing/2010/main" w="9525">
+                  <a14:hiddenLine xmlns:a14="http://schemas.microsoft.com/office/drawing/2010/main" xmlns="" w="9525">
                     <a:solidFill>
                       <a:srgbClr val="000000"/>
                     </a:solidFill>
@@ -34313,7 +34313,7 @@
               </a:ln>
               <a:extLst>
                 <a:ext uri="{91240B29-F687-4f45-9708-019B960494DF}">
-                  <a14:hiddenLine xmlns="" xmlns:a14="http://schemas.microsoft.com/office/drawing/2010/main" w="9525">
+                  <a14:hiddenLine xmlns:a14="http://schemas.microsoft.com/office/drawing/2010/main" xmlns="" w="9525">
                     <a:solidFill>
                       <a:srgbClr val="000000"/>
                     </a:solidFill>
@@ -34347,7 +34347,7 @@
               </a:ln>
               <a:extLst>
                 <a:ext uri="{91240B29-F687-4f45-9708-019B960494DF}">
-                  <a14:hiddenLine xmlns="" xmlns:a14="http://schemas.microsoft.com/office/drawing/2010/main" w="9525">
+                  <a14:hiddenLine xmlns:a14="http://schemas.microsoft.com/office/drawing/2010/main" xmlns="" w="9525">
                     <a:solidFill>
                       <a:srgbClr val="000000"/>
                     </a:solidFill>
@@ -34412,7 +34412,7 @@
               </a:ln>
               <a:extLst>
                 <a:ext uri="{91240B29-F687-4f45-9708-019B960494DF}">
-                  <a14:hiddenLine xmlns="" xmlns:a14="http://schemas.microsoft.com/office/drawing/2010/main" w="9525">
+                  <a14:hiddenLine xmlns:a14="http://schemas.microsoft.com/office/drawing/2010/main" xmlns="" w="9525">
                     <a:solidFill>
                       <a:srgbClr val="000000"/>
                     </a:solidFill>
@@ -34502,7 +34502,7 @@
               </a:ln>
               <a:extLst>
                 <a:ext uri="{91240B29-F687-4f45-9708-019B960494DF}">
-                  <a14:hiddenLine xmlns="" xmlns:a14="http://schemas.microsoft.com/office/drawing/2010/main" w="9525">
+                  <a14:hiddenLine xmlns:a14="http://schemas.microsoft.com/office/drawing/2010/main" xmlns="" w="9525">
                     <a:solidFill>
                       <a:srgbClr val="000000"/>
                     </a:solidFill>
@@ -34564,7 +34564,7 @@
               </a:ln>
               <a:extLst>
                 <a:ext uri="{91240B29-F687-4f45-9708-019B960494DF}">
-                  <a14:hiddenLine xmlns="" xmlns:a14="http://schemas.microsoft.com/office/drawing/2010/main" w="9525">
+                  <a14:hiddenLine xmlns:a14="http://schemas.microsoft.com/office/drawing/2010/main" xmlns="" w="9525">
                     <a:solidFill>
                       <a:srgbClr val="000000"/>
                     </a:solidFill>
@@ -34654,7 +34654,7 @@
               </a:ln>
               <a:extLst>
                 <a:ext uri="{91240B29-F687-4f45-9708-019B960494DF}">
-                  <a14:hiddenLine xmlns="" xmlns:a14="http://schemas.microsoft.com/office/drawing/2010/main" w="9525">
+                  <a14:hiddenLine xmlns:a14="http://schemas.microsoft.com/office/drawing/2010/main" xmlns="" w="9525">
                     <a:solidFill>
                       <a:srgbClr val="000000"/>
                     </a:solidFill>
@@ -34719,7 +34719,7 @@
               </a:ln>
               <a:extLst>
                 <a:ext uri="{91240B29-F687-4f45-9708-019B960494DF}">
-                  <a14:hiddenLine xmlns="" xmlns:a14="http://schemas.microsoft.com/office/drawing/2010/main" w="9525">
+                  <a14:hiddenLine xmlns:a14="http://schemas.microsoft.com/office/drawing/2010/main" xmlns="" w="9525">
                     <a:solidFill>
                       <a:srgbClr val="000000"/>
                     </a:solidFill>
@@ -34781,7 +34781,7 @@
               </a:ln>
               <a:extLst>
                 <a:ext uri="{91240B29-F687-4f45-9708-019B960494DF}">
-                  <a14:hiddenLine xmlns="" xmlns:a14="http://schemas.microsoft.com/office/drawing/2010/main" w="9525">
+                  <a14:hiddenLine xmlns:a14="http://schemas.microsoft.com/office/drawing/2010/main" xmlns="" w="9525">
                     <a:solidFill>
                       <a:srgbClr val="000000"/>
                     </a:solidFill>
@@ -34871,7 +34871,7 @@
               </a:ln>
               <a:extLst>
                 <a:ext uri="{91240B29-F687-4f45-9708-019B960494DF}">
-                  <a14:hiddenLine xmlns="" xmlns:a14="http://schemas.microsoft.com/office/drawing/2010/main" w="9525">
+                  <a14:hiddenLine xmlns:a14="http://schemas.microsoft.com/office/drawing/2010/main" xmlns="" w="9525">
                     <a:solidFill>
                       <a:srgbClr val="000000"/>
                     </a:solidFill>
@@ -34961,7 +34961,7 @@
               </a:ln>
               <a:extLst>
                 <a:ext uri="{91240B29-F687-4f45-9708-019B960494DF}">
-                  <a14:hiddenLine xmlns="" xmlns:a14="http://schemas.microsoft.com/office/drawing/2010/main" w="9525">
+                  <a14:hiddenLine xmlns:a14="http://schemas.microsoft.com/office/drawing/2010/main" xmlns="" w="9525">
                     <a:solidFill>
                       <a:srgbClr val="000000"/>
                     </a:solidFill>
@@ -35026,7 +35026,7 @@
               </a:ln>
               <a:extLst>
                 <a:ext uri="{91240B29-F687-4f45-9708-019B960494DF}">
-                  <a14:hiddenLine xmlns="" xmlns:a14="http://schemas.microsoft.com/office/drawing/2010/main" w="9525">
+                  <a14:hiddenLine xmlns:a14="http://schemas.microsoft.com/office/drawing/2010/main" xmlns="" w="9525">
                     <a:solidFill>
                       <a:srgbClr val="000000"/>
                     </a:solidFill>
@@ -35146,7 +35146,7 @@
               </a:ln>
               <a:extLst>
                 <a:ext uri="{91240B29-F687-4f45-9708-019B960494DF}">
-                  <a14:hiddenLine xmlns="" xmlns:a14="http://schemas.microsoft.com/office/drawing/2010/main" w="9525">
+                  <a14:hiddenLine xmlns:a14="http://schemas.microsoft.com/office/drawing/2010/main" xmlns="" w="9525">
                     <a:solidFill>
                       <a:srgbClr val="000000"/>
                     </a:solidFill>
@@ -35244,7 +35244,7 @@
               </a:ln>
               <a:extLst>
                 <a:ext uri="{91240B29-F687-4f45-9708-019B960494DF}">
-                  <a14:hiddenLine xmlns="" xmlns:a14="http://schemas.microsoft.com/office/drawing/2010/main" w="9525">
+                  <a14:hiddenLine xmlns:a14="http://schemas.microsoft.com/office/drawing/2010/main" xmlns="" w="9525">
                     <a:solidFill>
                       <a:srgbClr val="000000"/>
                     </a:solidFill>
@@ -35359,7 +35359,7 @@
               </a:ln>
               <a:extLst>
                 <a:ext uri="{91240B29-F687-4f45-9708-019B960494DF}">
-                  <a14:hiddenLine xmlns="" xmlns:a14="http://schemas.microsoft.com/office/drawing/2010/main" w="9525">
+                  <a14:hiddenLine xmlns:a14="http://schemas.microsoft.com/office/drawing/2010/main" xmlns="" w="9525">
                     <a:solidFill>
                       <a:srgbClr val="000000"/>
                     </a:solidFill>
@@ -35449,7 +35449,7 @@
               </a:ln>
               <a:extLst>
                 <a:ext uri="{91240B29-F687-4f45-9708-019B960494DF}">
-                  <a14:hiddenLine xmlns="" xmlns:a14="http://schemas.microsoft.com/office/drawing/2010/main" w="9525">
+                  <a14:hiddenLine xmlns:a14="http://schemas.microsoft.com/office/drawing/2010/main" xmlns="" w="9525">
                     <a:solidFill>
                       <a:srgbClr val="000000"/>
                     </a:solidFill>
@@ -35514,7 +35514,7 @@
               </a:ln>
               <a:extLst>
                 <a:ext uri="{91240B29-F687-4f45-9708-019B960494DF}">
-                  <a14:hiddenLine xmlns="" xmlns:a14="http://schemas.microsoft.com/office/drawing/2010/main" w="9525">
+                  <a14:hiddenLine xmlns:a14="http://schemas.microsoft.com/office/drawing/2010/main" xmlns="" w="9525">
                     <a:solidFill>
                       <a:srgbClr val="000000"/>
                     </a:solidFill>
@@ -35604,7 +35604,7 @@
               </a:ln>
               <a:extLst>
                 <a:ext uri="{91240B29-F687-4f45-9708-019B960494DF}">
-                  <a14:hiddenLine xmlns="" xmlns:a14="http://schemas.microsoft.com/office/drawing/2010/main" w="9525">
+                  <a14:hiddenLine xmlns:a14="http://schemas.microsoft.com/office/drawing/2010/main" xmlns="" w="9525">
                     <a:solidFill>
                       <a:srgbClr val="000000"/>
                     </a:solidFill>
@@ -35672,7 +35672,7 @@
               </a:ln>
               <a:extLst>
                 <a:ext uri="{91240B29-F687-4f45-9708-019B960494DF}">
-                  <a14:hiddenLine xmlns="" xmlns:a14="http://schemas.microsoft.com/office/drawing/2010/main" w="9525">
+                  <a14:hiddenLine xmlns:a14="http://schemas.microsoft.com/office/drawing/2010/main" xmlns="" w="9525">
                     <a:solidFill>
                       <a:srgbClr val="000000"/>
                     </a:solidFill>
@@ -35762,7 +35762,7 @@
               </a:ln>
               <a:extLst>
                 <a:ext uri="{91240B29-F687-4f45-9708-019B960494DF}">
-                  <a14:hiddenLine xmlns="" xmlns:a14="http://schemas.microsoft.com/office/drawing/2010/main" w="9525">
+                  <a14:hiddenLine xmlns:a14="http://schemas.microsoft.com/office/drawing/2010/main" xmlns="" w="9525">
                     <a:solidFill>
                       <a:srgbClr val="000000"/>
                     </a:solidFill>
@@ -35830,7 +35830,7 @@
               </a:ln>
               <a:extLst>
                 <a:ext uri="{91240B29-F687-4f45-9708-019B960494DF}">
-                  <a14:hiddenLine xmlns="" xmlns:a14="http://schemas.microsoft.com/office/drawing/2010/main" w="9525">
+                  <a14:hiddenLine xmlns:a14="http://schemas.microsoft.com/office/drawing/2010/main" xmlns="" w="9525">
                     <a:solidFill>
                       <a:srgbClr val="000000"/>
                     </a:solidFill>
@@ -35920,7 +35920,7 @@
               </a:ln>
               <a:extLst>
                 <a:ext uri="{91240B29-F687-4f45-9708-019B960494DF}">
-                  <a14:hiddenLine xmlns="" xmlns:a14="http://schemas.microsoft.com/office/drawing/2010/main" w="9525">
+                  <a14:hiddenLine xmlns:a14="http://schemas.microsoft.com/office/drawing/2010/main" xmlns="" w="9525">
                     <a:solidFill>
                       <a:srgbClr val="000000"/>
                     </a:solidFill>
@@ -35954,7 +35954,7 @@
               </a:ln>
               <a:extLst>
                 <a:ext uri="{91240B29-F687-4f45-9708-019B960494DF}">
-                  <a14:hiddenLine xmlns="" xmlns:a14="http://schemas.microsoft.com/office/drawing/2010/main" w="9525">
+                  <a14:hiddenLine xmlns:a14="http://schemas.microsoft.com/office/drawing/2010/main" xmlns="" w="9525">
                     <a:solidFill>
                       <a:srgbClr val="000000"/>
                     </a:solidFill>
@@ -36094,7 +36094,7 @@
           <a:p>
             <a:fld id="{B76943AF-B946-47F7-8510-2C710F5C29B5}" type="datetimeFigureOut">
               <a:rPr lang="en-US" smtClean="0"/>
-              <a:t>1/16/2018</a:t>
+              <a:t>1/17/2018</a:t>
             </a:fld>
             <a:endParaRPr lang="en-US" dirty="0"/>
           </a:p>
@@ -38003,7 +38003,7 @@
         </p:nvSpPr>
         <p:spPr>
           <a:xfrm>
-            <a:off x="1361752" y="2249486"/>
+            <a:off x="1361752" y="2150096"/>
             <a:ext cx="9905999" cy="1019503"/>
           </a:xfrm>
         </p:spPr>
@@ -38028,12 +38028,74 @@
                   </a:schemeClr>
                 </a:solidFill>
               </a:rPr>
-              <a:t>50,000 trxns per second</a:t>
+              <a:t>5,000 trxns per second</a:t>
             </a:r>
             <a:r>
               <a:rPr lang="en-US" dirty="0"/>
-              <a:t> or more.</a:t>
+              <a:t>.</a:t>
             </a:r>
+            <a:br>
+              <a:rPr lang="pl-PL" dirty="0"/>
+            </a:br>
+            <a:r>
+              <a:rPr lang="pl-PL" dirty="0"/>
+              <a:t>Ultimately: </a:t>
+            </a:r>
+            <a:r>
+              <a:rPr lang="en-US" dirty="0">
+                <a:solidFill>
+                  <a:schemeClr val="tx2">
+                    <a:lumMod val="75000"/>
+                  </a:schemeClr>
+                </a:solidFill>
+              </a:rPr>
+              <a:t>5</a:t>
+            </a:r>
+            <a:r>
+              <a:rPr lang="pl-PL" dirty="0">
+                <a:solidFill>
+                  <a:schemeClr val="tx2">
+                    <a:lumMod val="75000"/>
+                  </a:schemeClr>
+                </a:solidFill>
+              </a:rPr>
+              <a:t>0</a:t>
+            </a:r>
+            <a:r>
+              <a:rPr lang="en-US" dirty="0">
+                <a:solidFill>
+                  <a:schemeClr val="tx2">
+                    <a:lumMod val="75000"/>
+                  </a:schemeClr>
+                </a:solidFill>
+              </a:rPr>
+              <a:t>,000 </a:t>
+            </a:r>
+            <a:r>
+              <a:rPr lang="en-US" dirty="0" err="1">
+                <a:solidFill>
+                  <a:schemeClr val="tx2">
+                    <a:lumMod val="75000"/>
+                  </a:schemeClr>
+                </a:solidFill>
+              </a:rPr>
+              <a:t>trxns</a:t>
+            </a:r>
+            <a:r>
+              <a:rPr lang="en-US" dirty="0">
+                <a:solidFill>
+                  <a:schemeClr val="tx2">
+                    <a:lumMod val="75000"/>
+                  </a:schemeClr>
+                </a:solidFill>
+              </a:rPr>
+              <a:t> per second</a:t>
+            </a:r>
+            <a:r>
+              <a:rPr lang="en-US" dirty="0"/>
+              <a:t>.</a:t>
+            </a:r>
+            <a:endParaRPr lang="pl-PL" dirty="0"/>
           </a:p>
         </p:txBody>
       </p:sp>
@@ -38086,7 +38148,7 @@
           <p:nvPr>
             <p:extLst>
               <p:ext uri="{D42A27DB-BD31-4B8C-83A1-F6EECF244321}">
-                <p14:modId xmlns:p14="http://schemas.microsoft.com/office/powerpoint/2010/main" val="4061173918"/>
+                <p14:modId xmlns:p14="http://schemas.microsoft.com/office/powerpoint/2010/main" val="1541942714"/>
               </p:ext>
             </p:extLst>
           </p:nvPr>
